--- a/Oracle Join.pptx
+++ b/Oracle Join.pptx
@@ -15519,87 +15519,6 @@
           </a:prstGeom>
         </p:spPr>
       </p:pic>
-      <p:grpSp>
-        <p:nvGrpSpPr>
-          <p:cNvPr id="7" name="그룹 6">
-            <a:extLst>
-              <a:ext uri="{FF2B5EF4-FFF2-40B4-BE49-F238E27FC236}">
-                <a16:creationId xmlns:a16="http://schemas.microsoft.com/office/drawing/2014/main" id="{C6512ADE-8AFA-495A-869E-2325B599F9AF}"/>
-              </a:ext>
-            </a:extLst>
-          </p:cNvPr>
-          <p:cNvGrpSpPr/>
-          <p:nvPr/>
-        </p:nvGrpSpPr>
-        <p:grpSpPr>
-          <a:xfrm>
-            <a:off x="8366956" y="1245862"/>
-            <a:ext cx="3200400" cy="1847850"/>
-            <a:chOff x="7828167" y="889820"/>
-            <a:chExt cx="3200400" cy="1847850"/>
-          </a:xfrm>
-        </p:grpSpPr>
-        <p:pic>
-          <p:nvPicPr>
-            <p:cNvPr id="8" name="그림 7">
-              <a:extLst>
-                <a:ext uri="{FF2B5EF4-FFF2-40B4-BE49-F238E27FC236}">
-                  <a16:creationId xmlns:a16="http://schemas.microsoft.com/office/drawing/2014/main" id="{78EFEA82-1D77-4573-BC77-192BE990D141}"/>
-                </a:ext>
-              </a:extLst>
-            </p:cNvPr>
-            <p:cNvPicPr>
-              <a:picLocks noChangeAspect="1"/>
-            </p:cNvPicPr>
-            <p:nvPr/>
-          </p:nvPicPr>
-          <p:blipFill>
-            <a:blip r:embed="rId3"/>
-            <a:stretch>
-              <a:fillRect/>
-            </a:stretch>
-          </p:blipFill>
-          <p:spPr>
-            <a:xfrm>
-              <a:off x="7828167" y="899652"/>
-              <a:ext cx="1628775" cy="1790700"/>
-            </a:xfrm>
-            <a:prstGeom prst="rect">
-              <a:avLst/>
-            </a:prstGeom>
-          </p:spPr>
-        </p:pic>
-        <p:pic>
-          <p:nvPicPr>
-            <p:cNvPr id="9" name="그림 8">
-              <a:extLst>
-                <a:ext uri="{FF2B5EF4-FFF2-40B4-BE49-F238E27FC236}">
-                  <a16:creationId xmlns:a16="http://schemas.microsoft.com/office/drawing/2014/main" id="{B85E9CD7-F127-4C38-9687-BBB232EB9CEA}"/>
-                </a:ext>
-              </a:extLst>
-            </p:cNvPr>
-            <p:cNvPicPr>
-              <a:picLocks noChangeAspect="1"/>
-            </p:cNvPicPr>
-            <p:nvPr/>
-          </p:nvPicPr>
-          <p:blipFill>
-            <a:blip r:embed="rId4"/>
-            <a:stretch>
-              <a:fillRect/>
-            </a:stretch>
-          </p:blipFill>
-          <p:spPr>
-            <a:xfrm>
-              <a:off x="9456942" y="889820"/>
-              <a:ext cx="1571625" cy="1847850"/>
-            </a:xfrm>
-            <a:prstGeom prst="rect">
-              <a:avLst/>
-            </a:prstGeom>
-          </p:spPr>
-        </p:pic>
-      </p:grpSp>
     </p:spTree>
     <p:extLst>
       <p:ext uri="{BB962C8B-B14F-4D97-AF65-F5344CB8AC3E}">
